--- a/xyz/Design Sprint KP GoDiab.pptx
+++ b/xyz/Design Sprint KP GoDiab.pptx
@@ -4000,7 +4000,7 @@
         </p:nvSpPr>
         <p:spPr>
           <a:xfrm>
-            <a:off x="381300" y="685800"/>
+            <a:off x="381000" y="685800"/>
             <a:ext cx="6096000" cy="3429000"/>
           </a:xfrm>
           <a:custGeom>
